--- a/docs/WEBSITE UPDATE fx masters.pptx
+++ b/docs/WEBSITE UPDATE fx masters.pptx
@@ -2919,7 +2919,7 @@
           <a:p>
             <a:fld id="{BF67D3E3-0E44-4B25-9B98-8078A5F74CF5}" type="datetimeFigureOut">
               <a:rPr lang="en-ZA" smtClean="0"/>
-              <a:t>2020/09/18</a:t>
+              <a:t>2020/09/30</a:t>
             </a:fld>
             <a:endParaRPr lang="en-ZA"/>
           </a:p>
@@ -3432,7 +3432,7 @@
           <a:p>
             <a:fld id="{BF67D3E3-0E44-4B25-9B98-8078A5F74CF5}" type="datetimeFigureOut">
               <a:rPr lang="en-ZA" smtClean="0"/>
-              <a:t>2020/09/18</a:t>
+              <a:t>2020/09/30</a:t>
             </a:fld>
             <a:endParaRPr lang="en-ZA"/>
           </a:p>
@@ -3607,7 +3607,7 @@
           <a:p>
             <a:fld id="{BF67D3E3-0E44-4B25-9B98-8078A5F74CF5}" type="datetimeFigureOut">
               <a:rPr lang="en-ZA" smtClean="0"/>
-              <a:t>2020/09/18</a:t>
+              <a:t>2020/09/30</a:t>
             </a:fld>
             <a:endParaRPr lang="en-ZA"/>
           </a:p>
@@ -3772,7 +3772,7 @@
           <a:p>
             <a:fld id="{BF67D3E3-0E44-4B25-9B98-8078A5F74CF5}" type="datetimeFigureOut">
               <a:rPr lang="en-ZA" smtClean="0"/>
-              <a:t>2020/09/18</a:t>
+              <a:t>2020/09/30</a:t>
             </a:fld>
             <a:endParaRPr lang="en-ZA"/>
           </a:p>
@@ -6896,7 +6896,7 @@
           <a:p>
             <a:fld id="{BF67D3E3-0E44-4B25-9B98-8078A5F74CF5}" type="datetimeFigureOut">
               <a:rPr lang="en-ZA" smtClean="0"/>
-              <a:t>2020/09/18</a:t>
+              <a:t>2020/09/30</a:t>
             </a:fld>
             <a:endParaRPr lang="en-ZA"/>
           </a:p>
@@ -7179,7 +7179,7 @@
           <a:p>
             <a:fld id="{BF67D3E3-0E44-4B25-9B98-8078A5F74CF5}" type="datetimeFigureOut">
               <a:rPr lang="en-ZA" smtClean="0"/>
-              <a:t>2020/09/18</a:t>
+              <a:t>2020/09/30</a:t>
             </a:fld>
             <a:endParaRPr lang="en-ZA"/>
           </a:p>
@@ -7596,7 +7596,7 @@
           <a:p>
             <a:fld id="{BF67D3E3-0E44-4B25-9B98-8078A5F74CF5}" type="datetimeFigureOut">
               <a:rPr lang="en-ZA" smtClean="0"/>
-              <a:t>2020/09/18</a:t>
+              <a:t>2020/09/30</a:t>
             </a:fld>
             <a:endParaRPr lang="en-ZA"/>
           </a:p>
@@ -7709,7 +7709,7 @@
           <a:p>
             <a:fld id="{BF67D3E3-0E44-4B25-9B98-8078A5F74CF5}" type="datetimeFigureOut">
               <a:rPr lang="en-ZA" smtClean="0"/>
-              <a:t>2020/09/18</a:t>
+              <a:t>2020/09/30</a:t>
             </a:fld>
             <a:endParaRPr lang="en-ZA"/>
           </a:p>
@@ -7799,7 +7799,7 @@
           <a:p>
             <a:fld id="{BF67D3E3-0E44-4B25-9B98-8078A5F74CF5}" type="datetimeFigureOut">
               <a:rPr lang="en-ZA" smtClean="0"/>
-              <a:t>2020/09/18</a:t>
+              <a:t>2020/09/30</a:t>
             </a:fld>
             <a:endParaRPr lang="en-ZA"/>
           </a:p>
@@ -7974,7 +7974,7 @@
           <a:p>
             <a:fld id="{BF67D3E3-0E44-4B25-9B98-8078A5F74CF5}" type="datetimeFigureOut">
               <a:rPr lang="en-ZA" smtClean="0"/>
-              <a:t>2020/09/18</a:t>
+              <a:t>2020/09/30</a:t>
             </a:fld>
             <a:endParaRPr lang="en-ZA"/>
           </a:p>
@@ -8460,7 +8460,7 @@
           <a:p>
             <a:fld id="{BF67D3E3-0E44-4B25-9B98-8078A5F74CF5}" type="datetimeFigureOut">
               <a:rPr lang="en-ZA" smtClean="0"/>
-              <a:t>2020/09/18</a:t>
+              <a:t>2020/09/30</a:t>
             </a:fld>
             <a:endParaRPr lang="en-ZA"/>
           </a:p>
@@ -9012,7 +9012,7 @@
           <a:p>
             <a:fld id="{BF67D3E3-0E44-4B25-9B98-8078A5F74CF5}" type="datetimeFigureOut">
               <a:rPr lang="en-ZA" smtClean="0"/>
-              <a:t>2020/09/18</a:t>
+              <a:t>2020/09/30</a:t>
             </a:fld>
             <a:endParaRPr lang="en-ZA"/>
           </a:p>
@@ -10043,16 +10043,14 @@
         </p:nvSpPr>
         <p:spPr/>
         <p:txBody>
-          <a:bodyPr/>
+          <a:bodyPr>
+            <a:normAutofit lnSpcReduction="10000"/>
+          </a:bodyPr>
           <a:lstStyle/>
           <a:p>
             <a:r>
               <a:rPr lang="en-ZA" dirty="0" smtClean="0"/>
-              <a:t>TO BE ABLE TO LOGIN THE WEBSITE USING THEIR LOGIN CREDENTIALS </a:t>
-            </a:r>
-            <a:r>
-              <a:rPr lang="en-ZA" dirty="0" smtClean="0"/>
-              <a:t> </a:t>
+              <a:t>TO BE ABLE TO LOGIN THE WEBSITE USING THEIR LOGIN CREDENTIALS  </a:t>
             </a:r>
           </a:p>
           <a:p>
@@ -10068,7 +10066,6 @@
               <a:rPr lang="en-ZA" dirty="0" smtClean="0"/>
               <a:t> to login </a:t>
             </a:r>
-            <a:endParaRPr lang="en-ZA" dirty="0" smtClean="0"/>
           </a:p>
           <a:p>
             <a:r>
@@ -10100,6 +10097,13 @@
             <a:r>
               <a:rPr lang="en-ZA" dirty="0" smtClean="0"/>
               <a:t>         PICTURE OF STUDENT IN THE BACKGROUND </a:t>
+            </a:r>
+            <a:endParaRPr lang="en-ZA" dirty="0" smtClean="0"/>
+          </a:p>
+          <a:p>
+            <a:r>
+              <a:rPr lang="en-ZA" dirty="0" smtClean="0"/>
+              <a:t>There must also be a corner where I can type like the amount they paid or owing us / if they have finished their amount there must be a twitter blue tick logo which I can easily put </a:t>
             </a:r>
             <a:endParaRPr lang="en-ZA" dirty="0"/>
           </a:p>
@@ -10215,6 +10219,14 @@
               <a:rPr lang="en-ZA" dirty="0" smtClean="0"/>
               <a:t>To delete a students details and deny access </a:t>
             </a:r>
+            <a:endParaRPr lang="en-ZA" dirty="0" smtClean="0"/>
+          </a:p>
+          <a:p>
+            <a:r>
+              <a:rPr lang="en-ZA" dirty="0" smtClean="0"/>
+              <a:t>TO BE ABLE TO RENAME FOLDERS </a:t>
+            </a:r>
+            <a:endParaRPr lang="en-ZA" dirty="0" smtClean="0"/>
           </a:p>
           <a:p>
             <a:endParaRPr lang="en-ZA" dirty="0"/>
@@ -10646,8 +10658,9 @@
             </a:pPr>
             <a:r>
               <a:rPr lang="en-ZA" dirty="0" smtClean="0"/>
-              <a:t>Reversal and hesitation zones </a:t>
-            </a:r>
+              <a:t>BOOTCAMP VIDEOS ( TO ACCOMMODATE AT LEAST 10 VIDEOS </a:t>
+            </a:r>
+            <a:endParaRPr lang="en-ZA" dirty="0" smtClean="0"/>
           </a:p>
           <a:p>
             <a:pPr marL="457200" indent="-457200">
@@ -10656,12 +10669,9 @@
             </a:pPr>
             <a:r>
               <a:rPr lang="en-ZA" dirty="0" smtClean="0"/>
-              <a:t>Types of trades and where to expect </a:t>
-            </a:r>
-            <a:r>
-              <a:rPr lang="en-ZA" dirty="0" smtClean="0"/>
-              <a:t>them      </a:t>
-            </a:r>
+              <a:t>FLASHCARDS ( FOR PICTURES ONLY ABOUT  MUST BE ABLE TO ACCOMMODATE UP TO 500  )  </a:t>
+            </a:r>
+            <a:endParaRPr lang="en-ZA" dirty="0" smtClean="0"/>
           </a:p>
           <a:p>
             <a:pPr marL="0" indent="0">
@@ -10674,6 +10684,22 @@
             <a:r>
               <a:rPr lang="en-ZA" dirty="0" smtClean="0"/>
               <a:t>            CREATE  A FOLDER FOR EACH TOPIC  .. INSTRUCTIONS ON NEXT SLIDE </a:t>
+            </a:r>
+            <a:endParaRPr lang="en-ZA" dirty="0" smtClean="0"/>
+          </a:p>
+          <a:p>
+            <a:pPr marL="0" indent="0">
+              <a:buNone/>
+            </a:pPr>
+            <a:endParaRPr lang="en-ZA" dirty="0"/>
+          </a:p>
+          <a:p>
+            <a:pPr marL="0" indent="0">
+              <a:buNone/>
+            </a:pPr>
+            <a:r>
+              <a:rPr lang="en-ZA" dirty="0" smtClean="0"/>
+              <a:t>EACH FOLDER MUST BE ABLE TO ACCOMMODATE 3 VIDEOS AND 2 FILES PFS / PRESENTATION</a:t>
             </a:r>
             <a:endParaRPr lang="en-ZA" dirty="0" smtClean="0"/>
           </a:p>
@@ -10774,7 +10800,27 @@
           <a:p>
             <a:r>
               <a:rPr lang="en-ZA" dirty="0" smtClean="0"/>
-              <a:t>IN EACH FOLDER THERE MUST BE A PLACE TO PUT THE VIDEO AND ALSO ATTACH THE PRESENTATION DOCUMENT</a:t>
+              <a:t>IN EACH FOLDER THERE MUST BE A PLACE TO PUT </a:t>
+            </a:r>
+            <a:r>
+              <a:rPr lang="en-ZA" dirty="0" smtClean="0"/>
+              <a:t>THE 3 VIDEOS </a:t>
+            </a:r>
+            <a:r>
+              <a:rPr lang="en-ZA" dirty="0" smtClean="0"/>
+              <a:t>AND ALSO ATTACH </a:t>
+            </a:r>
+            <a:r>
+              <a:rPr lang="en-ZA" dirty="0" smtClean="0"/>
+              <a:t>THE 3 </a:t>
+            </a:r>
+            <a:r>
+              <a:rPr lang="en-ZA" dirty="0" smtClean="0"/>
+              <a:t>PRESENTATION </a:t>
+            </a:r>
+            <a:r>
+              <a:rPr lang="en-ZA" dirty="0" smtClean="0"/>
+              <a:t>DOCUMENTS</a:t>
             </a:r>
             <a:endParaRPr lang="en-ZA" dirty="0"/>
           </a:p>
